--- a/Document/ATM Simulation System.pptx
+++ b/Document/ATM Simulation System.pptx
@@ -13,9 +13,9 @@
     <p:sldId id="282" r:id="rId4"/>
     <p:sldId id="283" r:id="rId5"/>
     <p:sldId id="284" r:id="rId6"/>
-    <p:sldId id="287" r:id="rId7"/>
-    <p:sldId id="285" r:id="rId8"/>
-    <p:sldId id="286" r:id="rId9"/>
+    <p:sldId id="285" r:id="rId7"/>
+    <p:sldId id="286" r:id="rId8"/>
+    <p:sldId id="287" r:id="rId9"/>
     <p:sldId id="290" r:id="rId10"/>
     <p:sldId id="289" r:id="rId11"/>
     <p:sldId id="288" r:id="rId12"/>
@@ -172,8 +172,10 @@
   <p1510:revLst>
     <p1510:client id="{170BF18D-1421-60A6-73F5-2D482C7673E8}" v="136" dt="2024-10-24T02:50:23.663"/>
     <p1510:client id="{6F89F01A-973E-31B4-D7AA-F4AC759B3093}" v="32" dt="2024-10-24T05:42:40.099"/>
-    <p1510:client id="{9832CF68-C9DB-D2E5-2BF3-5A4288964D9B}" v="45" dt="2024-10-24T11:46:49.040"/>
+    <p1510:client id="{9832CF68-C9DB-D2E5-2BF3-5A4288964D9B}" v="47" dt="2024-10-24T14:14:17.914"/>
     <p1510:client id="{B415199B-8CBC-B0F1-4508-1AE2F43CDD4B}" v="157" dt="2024-10-24T06:03:23.470"/>
+    <p1510:client id="{D7D46F0F-5E35-AA14-3458-72E39854389A}" v="3" dt="2024-10-24T15:10:37.536"/>
+    <p1510:client id="{E8A9ACFC-FB56-9F51-ABE9-C19A2780F1CC}" v="12" dt="2024-10-24T14:35:24.024"/>
   </p1510:revLst>
 </p1510:revInfo>
 </file>
@@ -1739,7 +1741,7 @@
               </a:pPr>
               <a:t>‹#›</a:t>
             </a:fld>
-            <a:endParaRPr lang="en-US" altLang="zh-CN" dirty="0"/>
+            <a:endParaRPr lang="en-US" altLang="zh-CN"/>
           </a:p>
         </p:txBody>
       </p:sp>
@@ -2676,7 +2678,7 @@
               <a:t>‹#›</a:t>
             </a:fld>
             <a:r>
-              <a:rPr lang="en-US" altLang="zh-CN" dirty="0"/>
+              <a:rPr lang="en-US" altLang="zh-CN"/>
               <a:t>/16</a:t>
             </a:r>
           </a:p>
@@ -5668,7 +5670,7 @@
             <a:pPr>
               <a:defRPr/>
             </a:pPr>
-            <a:endParaRPr lang="en-US" altLang="zh-CN" dirty="0"/>
+            <a:endParaRPr lang="en-US" altLang="zh-CN"/>
           </a:p>
         </p:txBody>
       </p:sp>
@@ -5745,7 +5747,7 @@
             <a:pPr>
               <a:defRPr/>
             </a:pPr>
-            <a:endParaRPr lang="en-US" altLang="zh-CN" dirty="0"/>
+            <a:endParaRPr lang="en-US" altLang="zh-CN"/>
           </a:p>
         </p:txBody>
       </p:sp>
@@ -5833,7 +5835,7 @@
               </a:pPr>
               <a:t>‹#›</a:t>
             </a:fld>
-            <a:endParaRPr lang="en-US" altLang="zh-CN" dirty="0"/>
+            <a:endParaRPr lang="en-US" altLang="zh-CN"/>
           </a:p>
         </p:txBody>
       </p:sp>
@@ -6393,7 +6395,7 @@
           <a:p>
             <a:pPr lvl="0"/>
             <a:r>
-              <a:rPr lang="en-US" altLang="zh-CN" dirty="0"/>
+              <a:rPr lang="en-US" altLang="zh-CN"/>
               <a:t>Click to edit Master title style</a:t>
             </a:r>
           </a:p>
@@ -7153,17 +7155,17 @@
           <a:p>
             <a:pPr eaLnBrk="1" hangingPunct="1"/>
             <a:br>
-              <a:rPr lang="en-US" altLang="zh-CN" sz="3200" i="1" dirty="0"/>
+              <a:rPr lang="en-US" altLang="zh-CN" sz="3200" i="1"/>
             </a:br>
             <a:r>
-              <a:rPr lang="en-US" altLang="zh-CN" sz="3200" i="1" dirty="0"/>
+              <a:rPr lang="en-US" altLang="zh-CN" sz="3200" i="1"/>
               <a:t>ATM Simulation System</a:t>
             </a:r>
             <a:br>
-              <a:rPr lang="en-US" altLang="zh-CN" sz="3200" i="1" dirty="0"/>
+              <a:rPr lang="en-US" altLang="zh-CN" sz="3200" i="1"/>
             </a:br>
             <a:r>
-              <a:rPr lang="en-US" altLang="zh-CN" sz="3200" i="1" dirty="0"/>
+              <a:rPr lang="en-US" altLang="zh-CN" sz="3200" i="1"/>
               <a:t> </a:t>
             </a:r>
           </a:p>
@@ -7197,39 +7199,39 @@
           <a:p>
             <a:pPr algn="ctr" eaLnBrk="1" hangingPunct="1"/>
             <a:r>
-              <a:rPr lang="en-US" altLang="zh-CN" i="1" dirty="0"/>
+              <a:rPr lang="en-US" altLang="zh-CN" i="1"/>
               <a:t>Ahmed Ibrahim </a:t>
             </a:r>
           </a:p>
           <a:p>
             <a:pPr algn="ctr" eaLnBrk="1" hangingPunct="1"/>
             <a:r>
-              <a:rPr lang="en-US" altLang="zh-CN" i="1" dirty="0"/>
+              <a:rPr lang="en-US" altLang="zh-CN" i="1"/>
               <a:t>&amp; </a:t>
             </a:r>
           </a:p>
           <a:p>
             <a:pPr algn="ctr" eaLnBrk="1" hangingPunct="1"/>
             <a:r>
-              <a:rPr lang="en-US" altLang="zh-CN" i="1" dirty="0"/>
+              <a:rPr lang="en-US" altLang="zh-CN" i="1"/>
               <a:t>Md Sahid Hossain</a:t>
             </a:r>
           </a:p>
           <a:p>
             <a:pPr algn="ctr" eaLnBrk="1" hangingPunct="1"/>
             <a:r>
-              <a:rPr lang="en-US" altLang="zh-CN" i="1" dirty="0"/>
+              <a:rPr lang="en-US" altLang="zh-CN" i="1"/>
               <a:t>&amp;</a:t>
             </a:r>
           </a:p>
           <a:p>
             <a:pPr algn="ctr" eaLnBrk="1" hangingPunct="1"/>
             <a:r>
-              <a:rPr lang="en-US" altLang="zh-CN" i="1" dirty="0" err="1"/>
+              <a:rPr lang="en-US" altLang="zh-CN" i="1" err="1"/>
               <a:t>Shiqi</a:t>
             </a:r>
             <a:r>
-              <a:rPr lang="en-US" altLang="zh-CN" i="1" dirty="0"/>
+              <a:rPr lang="en-US" altLang="zh-CN" i="1"/>
               <a:t> Pang</a:t>
             </a:r>
           </a:p>
@@ -7287,7 +7289,7 @@
           <a:lstStyle/>
           <a:p>
             <a:r>
-              <a:rPr lang="en-US" dirty="0">
+              <a:rPr lang="en-US">
                 <a:cs typeface="Arial"/>
               </a:rPr>
               <a:t>Main Point</a:t>
@@ -7326,7 +7328,7 @@
               </a:pPr>
               <a:t>10</a:t>
             </a:fld>
-            <a:endParaRPr lang="en-US" altLang="zh-CN" dirty="0"/>
+            <a:endParaRPr lang="en-US" altLang="zh-CN"/>
           </a:p>
         </p:txBody>
       </p:sp>
@@ -7360,35 +7362,35 @@
           <a:lstStyle/>
           <a:p>
             <a:r>
-              <a:rPr lang="en-US" sz="2000" b="1" dirty="0">
+              <a:rPr lang="en-US" sz="2000" b="1">
                 <a:ea typeface="+mn-lt"/>
                 <a:cs typeface="+mn-lt"/>
               </a:rPr>
               <a:t>Modular Design and Reusability</a:t>
             </a:r>
             <a:r>
-              <a:rPr lang="en-US" sz="2000" dirty="0">
+              <a:rPr lang="en-US" sz="2000">
                 <a:ea typeface="+mn-lt"/>
                 <a:cs typeface="+mn-lt"/>
               </a:rPr>
               <a:t>: By structuring the system with separate functionalities like login, balance inquiry, and money transfer, we adhered to the </a:t>
             </a:r>
             <a:r>
-              <a:rPr lang="en-US" sz="2000" b="1" dirty="0">
+              <a:rPr lang="en-US" sz="2000" b="1">
                 <a:ea typeface="+mn-lt"/>
                 <a:cs typeface="+mn-lt"/>
               </a:rPr>
               <a:t>Modularity</a:t>
             </a:r>
             <a:r>
-              <a:rPr lang="en-US" sz="2000" dirty="0">
+              <a:rPr lang="en-US" sz="2000">
                 <a:ea typeface="+mn-lt"/>
                 <a:cs typeface="+mn-lt"/>
               </a:rPr>
               <a:t> principle of STC. This ensures that each module is responsible for a distinct function, making the system more maintainable and reusable. For instance, the </a:t>
             </a:r>
             <a:r>
-              <a:rPr lang="en-US" sz="2000" dirty="0">
+              <a:rPr lang="en-US" sz="2000">
                 <a:latin typeface="Consolas"/>
                 <a:ea typeface="+mn-lt"/>
                 <a:cs typeface="+mn-lt"/>
@@ -7396,14 +7398,14 @@
               <a:t>Login</a:t>
             </a:r>
             <a:r>
-              <a:rPr lang="en-US" sz="2000" dirty="0">
+              <a:rPr lang="en-US" sz="2000">
                 <a:ea typeface="+mn-lt"/>
                 <a:cs typeface="+mn-lt"/>
               </a:rPr>
               <a:t> and </a:t>
             </a:r>
             <a:r>
-              <a:rPr lang="en-US" sz="2000" dirty="0">
+              <a:rPr lang="en-US" sz="2000">
                 <a:latin typeface="Consolas"/>
                 <a:ea typeface="+mn-lt"/>
                 <a:cs typeface="+mn-lt"/>
@@ -7411,21 +7413,21 @@
               <a:t>Transaction</a:t>
             </a:r>
             <a:r>
-              <a:rPr lang="en-US" sz="2000" dirty="0">
+              <a:rPr lang="en-US" sz="2000">
                 <a:ea typeface="+mn-lt"/>
                 <a:cs typeface="+mn-lt"/>
               </a:rPr>
               <a:t> modules can be reused or extended without affecting other parts of the system. The </a:t>
             </a:r>
             <a:r>
-              <a:rPr lang="en-US" sz="2000" b="1" dirty="0">
+              <a:rPr lang="en-US" sz="2000" b="1">
                 <a:ea typeface="+mn-lt"/>
                 <a:cs typeface="+mn-lt"/>
               </a:rPr>
               <a:t>Java</a:t>
             </a:r>
             <a:r>
-              <a:rPr lang="en-US" sz="2000" dirty="0">
+              <a:rPr lang="en-US" sz="2000">
                 <a:ea typeface="+mn-lt"/>
                 <a:cs typeface="+mn-lt"/>
               </a:rPr>
@@ -7434,70 +7436,70 @@
           </a:p>
           <a:p>
             <a:r>
-              <a:rPr lang="en-US" sz="2000" b="1" dirty="0">
+              <a:rPr lang="en-US" sz="2000" b="1">
                 <a:ea typeface="+mn-lt"/>
                 <a:cs typeface="+mn-lt"/>
               </a:rPr>
               <a:t>User Interface Design and Event Handling</a:t>
             </a:r>
             <a:r>
-              <a:rPr lang="en-US" sz="2000" dirty="0">
+              <a:rPr lang="en-US" sz="2000">
                 <a:ea typeface="+mn-lt"/>
                 <a:cs typeface="+mn-lt"/>
               </a:rPr>
               <a:t>: Using </a:t>
             </a:r>
             <a:r>
-              <a:rPr lang="en-US" sz="2000" b="1" dirty="0">
+              <a:rPr lang="en-US" sz="2000" b="1">
                 <a:ea typeface="+mn-lt"/>
                 <a:cs typeface="+mn-lt"/>
               </a:rPr>
               <a:t>Java Swing</a:t>
             </a:r>
             <a:r>
-              <a:rPr lang="en-US" sz="2000" dirty="0">
+              <a:rPr lang="en-US" sz="2000">
                 <a:ea typeface="+mn-lt"/>
                 <a:cs typeface="+mn-lt"/>
               </a:rPr>
               <a:t> for the user interface design allowed us to apply </a:t>
             </a:r>
             <a:r>
-              <a:rPr lang="en-US" sz="2000" b="1" dirty="0">
+              <a:rPr lang="en-US" sz="2000" b="1">
                 <a:ea typeface="+mn-lt"/>
                 <a:cs typeface="+mn-lt"/>
               </a:rPr>
               <a:t>STC's Human-Computer Interaction (HCI)</a:t>
             </a:r>
             <a:r>
-              <a:rPr lang="en-US" sz="2000" dirty="0">
+              <a:rPr lang="en-US" sz="2000">
                 <a:ea typeface="+mn-lt"/>
                 <a:cs typeface="+mn-lt"/>
               </a:rPr>
               <a:t> principles. We focused on creating a simple and intuitive user interface, where users can easily interact with the ATM functionalities. Event handling in </a:t>
             </a:r>
             <a:r>
-              <a:rPr lang="en-US" sz="2000" b="1" dirty="0">
+              <a:rPr lang="en-US" sz="2000" b="1">
                 <a:ea typeface="+mn-lt"/>
                 <a:cs typeface="+mn-lt"/>
               </a:rPr>
               <a:t>Java Swing</a:t>
             </a:r>
             <a:r>
-              <a:rPr lang="en-US" sz="2000" dirty="0">
+              <a:rPr lang="en-US" sz="2000">
                 <a:ea typeface="+mn-lt"/>
                 <a:cs typeface="+mn-lt"/>
               </a:rPr>
               <a:t> enabled real-time response to user actions, enhancing system interactivity. The clear separation of the graphical interface from the core logic adheres to </a:t>
             </a:r>
             <a:r>
-              <a:rPr lang="en-US" sz="2000" b="1" dirty="0">
+              <a:rPr lang="en-US" sz="2000" b="1">
                 <a:ea typeface="+mn-lt"/>
                 <a:cs typeface="+mn-lt"/>
               </a:rPr>
               <a:t>Separation of Concerns</a:t>
             </a:r>
             <a:r>
-              <a:rPr lang="en-US" sz="2000" dirty="0">
+              <a:rPr lang="en-US" sz="2000">
                 <a:ea typeface="+mn-lt"/>
                 <a:cs typeface="+mn-lt"/>
               </a:rPr>
@@ -7571,7 +7573,7 @@
           <a:p>
             <a:pPr algn="ctr"/>
             <a:r>
-              <a:rPr lang="en-US" sz="3600" kern="10" dirty="0">
+              <a:rPr lang="en-US" sz="3600" kern="10">
                 <a:ln w="9525">
                   <a:solidFill>
                     <a:srgbClr val="000000"/>
@@ -7642,10 +7644,10 @@
           <a:lstStyle/>
           <a:p>
             <a:r>
-              <a:rPr lang="en-US" dirty="0"/>
+              <a:rPr lang="en-US"/>
               <a:t>Statement</a:t>
             </a:r>
-            <a:endParaRPr lang="en-US" altLang="zh-CN" dirty="0">
+            <a:endParaRPr lang="en-US" altLang="zh-CN">
               <a:cs typeface="Arial"/>
             </a:endParaRPr>
           </a:p>
@@ -7681,38 +7683,38 @@
           <a:lstStyle/>
           <a:p>
             <a:r>
-              <a:rPr lang="en-US" sz="2000" dirty="0">
+              <a:rPr lang="en-US" sz="2000">
                 <a:ea typeface="+mn-lt"/>
                 <a:cs typeface="+mn-lt"/>
               </a:rPr>
               <a:t>The </a:t>
             </a:r>
             <a:r>
-              <a:rPr lang="en-US" sz="2000" b="1" dirty="0">
+              <a:rPr lang="en-US" sz="2000" b="1">
                 <a:ea typeface="+mn-lt"/>
                 <a:cs typeface="+mn-lt"/>
               </a:rPr>
               <a:t>ATM System</a:t>
             </a:r>
             <a:r>
-              <a:rPr lang="en-US" sz="2000" dirty="0">
+              <a:rPr lang="en-US" sz="2000">
                 <a:ea typeface="+mn-lt"/>
                 <a:cs typeface="+mn-lt"/>
               </a:rPr>
               <a:t> allows users to perform essential banking operations securely and efficiently. Users can log in to the system to check their account balance, withdraw cash, deposit funds, transfer money between accounts, and change their personal identification number (PIN). The system ensures these actions are processed in real-time.</a:t>
             </a:r>
-            <a:endParaRPr lang="en-US" sz="2000" dirty="0">
+            <a:endParaRPr lang="en-US" sz="2000">
               <a:latin typeface="Arial (Body)"/>
             </a:endParaRPr>
           </a:p>
           <a:p>
-            <a:endParaRPr lang="en-US" sz="2000" dirty="0">
+            <a:endParaRPr lang="en-US" sz="2000">
               <a:ea typeface="+mn-lt"/>
               <a:cs typeface="+mn-lt"/>
             </a:endParaRPr>
           </a:p>
           <a:p>
-            <a:endParaRPr lang="en-US" sz="2000" dirty="0">
+            <a:endParaRPr lang="en-US" sz="2000">
               <a:ea typeface="+mn-lt"/>
               <a:cs typeface="+mn-lt"/>
             </a:endParaRPr>
@@ -7728,7 +7730,7 @@
             <a:endParaRPr lang="en-US"/>
           </a:p>
           <a:p>
-            <a:endParaRPr lang="en-US" sz="2000" dirty="0">
+            <a:endParaRPr lang="en-US" sz="2000">
               <a:latin typeface="Arial (Body)"/>
             </a:endParaRPr>
           </a:p>
@@ -7765,7 +7767,7 @@
               </a:pPr>
               <a:t>2</a:t>
             </a:fld>
-            <a:endParaRPr lang="en-US" altLang="zh-CN" dirty="0"/>
+            <a:endParaRPr lang="en-US" altLang="zh-CN"/>
           </a:p>
         </p:txBody>
       </p:sp>
@@ -7826,10 +7828,10 @@
           <a:lstStyle/>
           <a:p>
             <a:r>
-              <a:rPr lang="en-US" dirty="0"/>
+              <a:rPr lang="en-US"/>
               <a:t>Use Case</a:t>
             </a:r>
-            <a:endParaRPr lang="en-US" altLang="zh-CN" dirty="0">
+            <a:endParaRPr lang="en-US" altLang="zh-CN">
               <a:cs typeface="Arial"/>
             </a:endParaRPr>
           </a:p>
@@ -7866,7 +7868,7 @@
               </a:pPr>
               <a:t>3</a:t>
             </a:fld>
-            <a:endParaRPr lang="en-US" altLang="zh-CN" dirty="0"/>
+            <a:endParaRPr lang="en-US" altLang="zh-CN"/>
           </a:p>
         </p:txBody>
       </p:sp>
@@ -7957,7 +7959,7 @@
           <a:lstStyle/>
           <a:p>
             <a:r>
-              <a:rPr lang="en-US" dirty="0">
+              <a:rPr lang="en-US">
                 <a:cs typeface="Arial"/>
               </a:rPr>
               <a:t>Class Diagram</a:t>
@@ -7996,7 +7998,7 @@
               </a:pPr>
               <a:t>4</a:t>
             </a:fld>
-            <a:endParaRPr lang="en-US" altLang="zh-CN" dirty="0"/>
+            <a:endParaRPr lang="en-US" altLang="zh-CN"/>
           </a:p>
         </p:txBody>
       </p:sp>
@@ -8078,7 +8080,7 @@
         </p:nvSpPr>
         <p:spPr>
           <a:xfrm>
-            <a:off x="610478" y="-331591"/>
+            <a:off x="1309848" y="-258522"/>
             <a:ext cx="7924800" cy="1143000"/>
           </a:xfrm>
         </p:spPr>
@@ -8087,10 +8089,10 @@
           <a:lstStyle/>
           <a:p>
             <a:r>
-              <a:rPr lang="en-US" dirty="0">
+              <a:rPr lang="en-US">
                 <a:cs typeface="Arial"/>
               </a:rPr>
-              <a:t>Withdraw Sequence Diagram</a:t>
+              <a:t>Deposit Sequence Diagram</a:t>
             </a:r>
           </a:p>
         </p:txBody>
@@ -8126,7 +8128,266 @@
               </a:pPr>
               <a:t>5</a:t>
             </a:fld>
-            <a:endParaRPr lang="en-US" altLang="zh-CN" dirty="0"/>
+            <a:endParaRPr lang="en-US" altLang="zh-CN"/>
+          </a:p>
+        </p:txBody>
+      </p:sp>
+      <p:pic>
+        <p:nvPicPr>
+          <p:cNvPr id="3" name="Picture 2">
+            <a:extLst>
+              <a:ext uri="{FF2B5EF4-FFF2-40B4-BE49-F238E27FC236}">
+                <a16:creationId xmlns:a16="http://schemas.microsoft.com/office/drawing/2014/main" id="{53188EF9-9FF3-8679-B8F8-2574A011846E}"/>
+              </a:ext>
+            </a:extLst>
+          </p:cNvPr>
+          <p:cNvPicPr>
+            <a:picLocks noChangeAspect="1"/>
+          </p:cNvPicPr>
+          <p:nvPr/>
+        </p:nvPicPr>
+        <p:blipFill>
+          <a:blip r:embed="rId2"/>
+          <a:stretch>
+            <a:fillRect/>
+          </a:stretch>
+        </p:blipFill>
+        <p:spPr>
+          <a:xfrm>
+            <a:off x="1" y="1118852"/>
+            <a:ext cx="9144000" cy="4891693"/>
+          </a:xfrm>
+          <a:prstGeom prst="rect">
+            <a:avLst/>
+          </a:prstGeom>
+        </p:spPr>
+      </p:pic>
+    </p:spTree>
+    <p:extLst>
+      <p:ext uri="{BB962C8B-B14F-4D97-AF65-F5344CB8AC3E}">
+        <p14:creationId xmlns:p14="http://schemas.microsoft.com/office/powerpoint/2010/main" val="2528046612"/>
+      </p:ext>
+    </p:extLst>
+  </p:cSld>
+  <p:clrMapOvr>
+    <a:masterClrMapping/>
+  </p:clrMapOvr>
+</p:sld>
+</file>
+
+<file path=ppt/slides/slide6.xml><?xml version="1.0" encoding="utf-8"?>
+<p:sld xmlns:a="http://schemas.openxmlformats.org/drawingml/2006/main" xmlns:r="http://schemas.openxmlformats.org/officeDocument/2006/relationships" xmlns:p="http://schemas.openxmlformats.org/presentationml/2006/main">
+  <p:cSld>
+    <p:spTree>
+      <p:nvGrpSpPr>
+        <p:cNvPr id="1" name=""/>
+        <p:cNvGrpSpPr/>
+        <p:nvPr/>
+      </p:nvGrpSpPr>
+      <p:grpSpPr>
+        <a:xfrm>
+          <a:off x="0" y="0"/>
+          <a:ext cx="0" cy="0"/>
+          <a:chOff x="0" y="0"/>
+          <a:chExt cx="0" cy="0"/>
+        </a:xfrm>
+      </p:grpSpPr>
+      <p:sp>
+        <p:nvSpPr>
+          <p:cNvPr id="2" name="Title 1">
+            <a:extLst>
+              <a:ext uri="{FF2B5EF4-FFF2-40B4-BE49-F238E27FC236}">
+                <a16:creationId xmlns:a16="http://schemas.microsoft.com/office/drawing/2014/main" id="{25200C2B-C5B0-4EC9-EC97-3EE6422075AA}"/>
+              </a:ext>
+            </a:extLst>
+          </p:cNvPr>
+          <p:cNvSpPr>
+            <a:spLocks noGrp="1"/>
+          </p:cNvSpPr>
+          <p:nvPr>
+            <p:ph type="title"/>
+          </p:nvPr>
+        </p:nvSpPr>
+        <p:spPr>
+          <a:xfrm>
+            <a:off x="1195026" y="-300276"/>
+            <a:ext cx="7924800" cy="1143000"/>
+          </a:xfrm>
+        </p:spPr>
+        <p:txBody>
+          <a:bodyPr/>
+          <a:lstStyle/>
+          <a:p>
+            <a:r>
+              <a:rPr lang="en-US">
+                <a:cs typeface="Arial"/>
+              </a:rPr>
+              <a:t>Transfer Sequence Diagram</a:t>
+            </a:r>
+          </a:p>
+        </p:txBody>
+      </p:sp>
+      <p:sp>
+        <p:nvSpPr>
+          <p:cNvPr id="5" name="Slide Number Placeholder 4">
+            <a:extLst>
+              <a:ext uri="{FF2B5EF4-FFF2-40B4-BE49-F238E27FC236}">
+                <a16:creationId xmlns:a16="http://schemas.microsoft.com/office/drawing/2014/main" id="{FC82663E-F84B-44E0-A258-1FD0F822FF08}"/>
+              </a:ext>
+            </a:extLst>
+          </p:cNvPr>
+          <p:cNvSpPr>
+            <a:spLocks noGrp="1"/>
+          </p:cNvSpPr>
+          <p:nvPr>
+            <p:ph type="sldNum" sz="quarter" idx="12"/>
+          </p:nvPr>
+        </p:nvSpPr>
+        <p:spPr/>
+        <p:txBody>
+          <a:bodyPr/>
+          <a:lstStyle/>
+          <a:p>
+            <a:pPr>
+              <a:defRPr/>
+            </a:pPr>
+            <a:fld id="{D6D38C2C-2E79-4C52-ABC3-A5A666036FD9}" type="slidenum">
+              <a:rPr lang="en-US" altLang="zh-CN" smtClean="0"/>
+              <a:pPr>
+                <a:defRPr/>
+              </a:pPr>
+              <a:t>6</a:t>
+            </a:fld>
+            <a:endParaRPr lang="en-US" altLang="zh-CN"/>
+          </a:p>
+        </p:txBody>
+      </p:sp>
+      <p:pic>
+        <p:nvPicPr>
+          <p:cNvPr id="4" name="Picture 3">
+            <a:extLst>
+              <a:ext uri="{FF2B5EF4-FFF2-40B4-BE49-F238E27FC236}">
+                <a16:creationId xmlns:a16="http://schemas.microsoft.com/office/drawing/2014/main" id="{7A38427D-EA1A-4B35-358C-9D8A8AB44D6B}"/>
+              </a:ext>
+            </a:extLst>
+          </p:cNvPr>
+          <p:cNvPicPr>
+            <a:picLocks noChangeAspect="1"/>
+          </p:cNvPicPr>
+          <p:nvPr/>
+        </p:nvPicPr>
+        <p:blipFill>
+          <a:blip r:embed="rId2"/>
+          <a:srcRect l="686" r="15" b="4727"/>
+          <a:stretch/>
+        </p:blipFill>
+        <p:spPr>
+          <a:xfrm>
+            <a:off x="10509" y="1005388"/>
+            <a:ext cx="9111197" cy="5243704"/>
+          </a:xfrm>
+          <a:prstGeom prst="rect">
+            <a:avLst/>
+          </a:prstGeom>
+        </p:spPr>
+      </p:pic>
+    </p:spTree>
+    <p:extLst>
+      <p:ext uri="{BB962C8B-B14F-4D97-AF65-F5344CB8AC3E}">
+        <p14:creationId xmlns:p14="http://schemas.microsoft.com/office/powerpoint/2010/main" val="1441639304"/>
+      </p:ext>
+    </p:extLst>
+  </p:cSld>
+  <p:clrMapOvr>
+    <a:masterClrMapping/>
+  </p:clrMapOvr>
+</p:sld>
+</file>
+
+<file path=ppt/slides/slide7.xml><?xml version="1.0" encoding="utf-8"?>
+<p:sld xmlns:a="http://schemas.openxmlformats.org/drawingml/2006/main" xmlns:r="http://schemas.openxmlformats.org/officeDocument/2006/relationships" xmlns:p="http://schemas.openxmlformats.org/presentationml/2006/main">
+  <p:cSld>
+    <p:spTree>
+      <p:nvGrpSpPr>
+        <p:cNvPr id="1" name=""/>
+        <p:cNvGrpSpPr/>
+        <p:nvPr/>
+      </p:nvGrpSpPr>
+      <p:grpSpPr>
+        <a:xfrm>
+          <a:off x="0" y="0"/>
+          <a:ext cx="0" cy="0"/>
+          <a:chOff x="0" y="0"/>
+          <a:chExt cx="0" cy="0"/>
+        </a:xfrm>
+      </p:grpSpPr>
+      <p:sp>
+        <p:nvSpPr>
+          <p:cNvPr id="2" name="Title 1">
+            <a:extLst>
+              <a:ext uri="{FF2B5EF4-FFF2-40B4-BE49-F238E27FC236}">
+                <a16:creationId xmlns:a16="http://schemas.microsoft.com/office/drawing/2014/main" id="{25200C2B-C5B0-4EC9-EC97-3EE6422075AA}"/>
+              </a:ext>
+            </a:extLst>
+          </p:cNvPr>
+          <p:cNvSpPr>
+            <a:spLocks noGrp="1"/>
+          </p:cNvSpPr>
+          <p:nvPr>
+            <p:ph type="title"/>
+          </p:nvPr>
+        </p:nvSpPr>
+        <p:spPr>
+          <a:xfrm>
+            <a:off x="935449" y="-320385"/>
+            <a:ext cx="7924800" cy="1143000"/>
+          </a:xfrm>
+        </p:spPr>
+        <p:txBody>
+          <a:bodyPr/>
+          <a:lstStyle/>
+          <a:p>
+            <a:r>
+              <a:rPr lang="en-US">
+                <a:cs typeface="Arial"/>
+              </a:rPr>
+              <a:t>Withdraw Sequence Diagram</a:t>
+            </a:r>
+          </a:p>
+        </p:txBody>
+      </p:sp>
+      <p:sp>
+        <p:nvSpPr>
+          <p:cNvPr id="5" name="Slide Number Placeholder 4">
+            <a:extLst>
+              <a:ext uri="{FF2B5EF4-FFF2-40B4-BE49-F238E27FC236}">
+                <a16:creationId xmlns:a16="http://schemas.microsoft.com/office/drawing/2014/main" id="{FC82663E-F84B-44E0-A258-1FD0F822FF08}"/>
+              </a:ext>
+            </a:extLst>
+          </p:cNvPr>
+          <p:cNvSpPr>
+            <a:spLocks noGrp="1"/>
+          </p:cNvSpPr>
+          <p:nvPr>
+            <p:ph type="sldNum" sz="quarter" idx="12"/>
+          </p:nvPr>
+        </p:nvSpPr>
+        <p:spPr/>
+        <p:txBody>
+          <a:bodyPr/>
+          <a:lstStyle/>
+          <a:p>
+            <a:pPr>
+              <a:defRPr/>
+            </a:pPr>
+            <a:fld id="{D6D38C2C-2E79-4C52-ABC3-A5A666036FD9}" type="slidenum">
+              <a:rPr lang="en-US" altLang="zh-CN" smtClean="0"/>
+              <a:pPr>
+                <a:defRPr/>
+              </a:pPr>
+              <a:t>7</a:t>
+            </a:fld>
+            <a:endParaRPr lang="en-US" altLang="zh-CN"/>
           </a:p>
         </p:txBody>
       </p:sp>
@@ -8172,266 +8433,6 @@
 </p:sld>
 </file>
 
-<file path=ppt/slides/slide6.xml><?xml version="1.0" encoding="utf-8"?>
-<p:sld xmlns:a="http://schemas.openxmlformats.org/drawingml/2006/main" xmlns:r="http://schemas.openxmlformats.org/officeDocument/2006/relationships" xmlns:p="http://schemas.openxmlformats.org/presentationml/2006/main">
-  <p:cSld>
-    <p:spTree>
-      <p:nvGrpSpPr>
-        <p:cNvPr id="1" name=""/>
-        <p:cNvGrpSpPr/>
-        <p:nvPr/>
-      </p:nvGrpSpPr>
-      <p:grpSpPr>
-        <a:xfrm>
-          <a:off x="0" y="0"/>
-          <a:ext cx="0" cy="0"/>
-          <a:chOff x="0" y="0"/>
-          <a:chExt cx="0" cy="0"/>
-        </a:xfrm>
-      </p:grpSpPr>
-      <p:sp>
-        <p:nvSpPr>
-          <p:cNvPr id="2" name="Title 1">
-            <a:extLst>
-              <a:ext uri="{FF2B5EF4-FFF2-40B4-BE49-F238E27FC236}">
-                <a16:creationId xmlns:a16="http://schemas.microsoft.com/office/drawing/2014/main" id="{25200C2B-C5B0-4EC9-EC97-3EE6422075AA}"/>
-              </a:ext>
-            </a:extLst>
-          </p:cNvPr>
-          <p:cNvSpPr>
-            <a:spLocks noGrp="1"/>
-          </p:cNvSpPr>
-          <p:nvPr>
-            <p:ph type="title"/>
-          </p:nvPr>
-        </p:nvSpPr>
-        <p:spPr>
-          <a:xfrm>
-            <a:off x="1309848" y="-258522"/>
-            <a:ext cx="7924800" cy="1143000"/>
-          </a:xfrm>
-        </p:spPr>
-        <p:txBody>
-          <a:bodyPr/>
-          <a:lstStyle/>
-          <a:p>
-            <a:r>
-              <a:rPr lang="en-US" dirty="0">
-                <a:cs typeface="Arial"/>
-              </a:rPr>
-              <a:t>Deposit Sequence Diagram</a:t>
-            </a:r>
-          </a:p>
-        </p:txBody>
-      </p:sp>
-      <p:sp>
-        <p:nvSpPr>
-          <p:cNvPr id="5" name="Slide Number Placeholder 4">
-            <a:extLst>
-              <a:ext uri="{FF2B5EF4-FFF2-40B4-BE49-F238E27FC236}">
-                <a16:creationId xmlns:a16="http://schemas.microsoft.com/office/drawing/2014/main" id="{FC82663E-F84B-44E0-A258-1FD0F822FF08}"/>
-              </a:ext>
-            </a:extLst>
-          </p:cNvPr>
-          <p:cNvSpPr>
-            <a:spLocks noGrp="1"/>
-          </p:cNvSpPr>
-          <p:nvPr>
-            <p:ph type="sldNum" sz="quarter" idx="12"/>
-          </p:nvPr>
-        </p:nvSpPr>
-        <p:spPr/>
-        <p:txBody>
-          <a:bodyPr/>
-          <a:lstStyle/>
-          <a:p>
-            <a:pPr>
-              <a:defRPr/>
-            </a:pPr>
-            <a:fld id="{D6D38C2C-2E79-4C52-ABC3-A5A666036FD9}" type="slidenum">
-              <a:rPr lang="en-US" altLang="zh-CN" smtClean="0"/>
-              <a:pPr>
-                <a:defRPr/>
-              </a:pPr>
-              <a:t>6</a:t>
-            </a:fld>
-            <a:endParaRPr lang="en-US" altLang="zh-CN" dirty="0"/>
-          </a:p>
-        </p:txBody>
-      </p:sp>
-      <p:pic>
-        <p:nvPicPr>
-          <p:cNvPr id="4" name="Picture 3" descr="A diagram of a computer&#10;&#10;Description automatically generated">
-            <a:extLst>
-              <a:ext uri="{FF2B5EF4-FFF2-40B4-BE49-F238E27FC236}">
-                <a16:creationId xmlns:a16="http://schemas.microsoft.com/office/drawing/2014/main" id="{CF97542C-B8CD-522C-FD95-CE34DE294C09}"/>
-              </a:ext>
-            </a:extLst>
-          </p:cNvPr>
-          <p:cNvPicPr>
-            <a:picLocks noChangeAspect="1"/>
-          </p:cNvPicPr>
-          <p:nvPr/>
-        </p:nvPicPr>
-        <p:blipFill>
-          <a:blip r:embed="rId2"/>
-          <a:stretch>
-            <a:fillRect/>
-          </a:stretch>
-        </p:blipFill>
-        <p:spPr>
-          <a:xfrm>
-            <a:off x="0" y="1250078"/>
-            <a:ext cx="9144000" cy="4838007"/>
-          </a:xfrm>
-          <a:prstGeom prst="rect">
-            <a:avLst/>
-          </a:prstGeom>
-        </p:spPr>
-      </p:pic>
-    </p:spTree>
-    <p:extLst>
-      <p:ext uri="{BB962C8B-B14F-4D97-AF65-F5344CB8AC3E}">
-        <p14:creationId xmlns:p14="http://schemas.microsoft.com/office/powerpoint/2010/main" val="2528046612"/>
-      </p:ext>
-    </p:extLst>
-  </p:cSld>
-  <p:clrMapOvr>
-    <a:masterClrMapping/>
-  </p:clrMapOvr>
-</p:sld>
-</file>
-
-<file path=ppt/slides/slide7.xml><?xml version="1.0" encoding="utf-8"?>
-<p:sld xmlns:a="http://schemas.openxmlformats.org/drawingml/2006/main" xmlns:r="http://schemas.openxmlformats.org/officeDocument/2006/relationships" xmlns:p="http://schemas.openxmlformats.org/presentationml/2006/main">
-  <p:cSld>
-    <p:spTree>
-      <p:nvGrpSpPr>
-        <p:cNvPr id="1" name=""/>
-        <p:cNvGrpSpPr/>
-        <p:nvPr/>
-      </p:nvGrpSpPr>
-      <p:grpSpPr>
-        <a:xfrm>
-          <a:off x="0" y="0"/>
-          <a:ext cx="0" cy="0"/>
-          <a:chOff x="0" y="0"/>
-          <a:chExt cx="0" cy="0"/>
-        </a:xfrm>
-      </p:grpSpPr>
-      <p:sp>
-        <p:nvSpPr>
-          <p:cNvPr id="2" name="Title 1">
-            <a:extLst>
-              <a:ext uri="{FF2B5EF4-FFF2-40B4-BE49-F238E27FC236}">
-                <a16:creationId xmlns:a16="http://schemas.microsoft.com/office/drawing/2014/main" id="{25200C2B-C5B0-4EC9-EC97-3EE6422075AA}"/>
-              </a:ext>
-            </a:extLst>
-          </p:cNvPr>
-          <p:cNvSpPr>
-            <a:spLocks noGrp="1"/>
-          </p:cNvSpPr>
-          <p:nvPr>
-            <p:ph type="title"/>
-          </p:nvPr>
-        </p:nvSpPr>
-        <p:spPr>
-          <a:xfrm>
-            <a:off x="1195026" y="-300276"/>
-            <a:ext cx="7924800" cy="1143000"/>
-          </a:xfrm>
-        </p:spPr>
-        <p:txBody>
-          <a:bodyPr/>
-          <a:lstStyle/>
-          <a:p>
-            <a:r>
-              <a:rPr lang="en-US" dirty="0">
-                <a:cs typeface="Arial"/>
-              </a:rPr>
-              <a:t>Transfer Sequence Diagram</a:t>
-            </a:r>
-          </a:p>
-        </p:txBody>
-      </p:sp>
-      <p:sp>
-        <p:nvSpPr>
-          <p:cNvPr id="5" name="Slide Number Placeholder 4">
-            <a:extLst>
-              <a:ext uri="{FF2B5EF4-FFF2-40B4-BE49-F238E27FC236}">
-                <a16:creationId xmlns:a16="http://schemas.microsoft.com/office/drawing/2014/main" id="{FC82663E-F84B-44E0-A258-1FD0F822FF08}"/>
-              </a:ext>
-            </a:extLst>
-          </p:cNvPr>
-          <p:cNvSpPr>
-            <a:spLocks noGrp="1"/>
-          </p:cNvSpPr>
-          <p:nvPr>
-            <p:ph type="sldNum" sz="quarter" idx="12"/>
-          </p:nvPr>
-        </p:nvSpPr>
-        <p:spPr/>
-        <p:txBody>
-          <a:bodyPr/>
-          <a:lstStyle/>
-          <a:p>
-            <a:pPr>
-              <a:defRPr/>
-            </a:pPr>
-            <a:fld id="{D6D38C2C-2E79-4C52-ABC3-A5A666036FD9}" type="slidenum">
-              <a:rPr lang="en-US" altLang="zh-CN" smtClean="0"/>
-              <a:pPr>
-                <a:defRPr/>
-              </a:pPr>
-              <a:t>7</a:t>
-            </a:fld>
-            <a:endParaRPr lang="en-US" altLang="zh-CN" dirty="0"/>
-          </a:p>
-        </p:txBody>
-      </p:sp>
-      <p:pic>
-        <p:nvPicPr>
-          <p:cNvPr id="3" name="Picture 2" descr="A diagram of a computer&#10;&#10;Description automatically generated">
-            <a:extLst>
-              <a:ext uri="{FF2B5EF4-FFF2-40B4-BE49-F238E27FC236}">
-                <a16:creationId xmlns:a16="http://schemas.microsoft.com/office/drawing/2014/main" id="{B857AB0A-F940-4864-A28E-F4D16CF0D4DB}"/>
-              </a:ext>
-            </a:extLst>
-          </p:cNvPr>
-          <p:cNvPicPr>
-            <a:picLocks noChangeAspect="1"/>
-          </p:cNvPicPr>
-          <p:nvPr/>
-        </p:nvPicPr>
-        <p:blipFill>
-          <a:blip r:embed="rId2"/>
-          <a:stretch>
-            <a:fillRect/>
-          </a:stretch>
-        </p:blipFill>
-        <p:spPr>
-          <a:xfrm>
-            <a:off x="62630" y="1071696"/>
-            <a:ext cx="9060493" cy="5173896"/>
-          </a:xfrm>
-          <a:prstGeom prst="rect">
-            <a:avLst/>
-          </a:prstGeom>
-        </p:spPr>
-      </p:pic>
-    </p:spTree>
-    <p:extLst>
-      <p:ext uri="{BB962C8B-B14F-4D97-AF65-F5344CB8AC3E}">
-        <p14:creationId xmlns:p14="http://schemas.microsoft.com/office/powerpoint/2010/main" val="1441639304"/>
-      </p:ext>
-    </p:extLst>
-  </p:cSld>
-  <p:clrMapOvr>
-    <a:masterClrMapping/>
-  </p:clrMapOvr>
-</p:sld>
-</file>
-
 <file path=ppt/slides/slide8.xml><?xml version="1.0" encoding="utf-8"?>
 <p:sld xmlns:a="http://schemas.openxmlformats.org/drawingml/2006/main" xmlns:r="http://schemas.openxmlformats.org/officeDocument/2006/relationships" xmlns:p="http://schemas.openxmlformats.org/presentationml/2006/main">
   <p:cSld>
@@ -8476,7 +8477,7 @@
           <a:lstStyle/>
           <a:p>
             <a:r>
-              <a:rPr lang="en-US" dirty="0">
+              <a:rPr lang="en-US">
                 <a:cs typeface="Arial"/>
               </a:rPr>
               <a:t>Add User Sequence Diagram</a:t>
@@ -8515,7 +8516,7 @@
               </a:pPr>
               <a:t>8</a:t>
             </a:fld>
-            <a:endParaRPr lang="en-US" altLang="zh-CN" dirty="0"/>
+            <a:endParaRPr lang="en-US" altLang="zh-CN"/>
           </a:p>
         </p:txBody>
       </p:sp>
@@ -8606,7 +8607,7 @@
           <a:lstStyle/>
           <a:p>
             <a:r>
-              <a:rPr lang="en-US" dirty="0">
+              <a:rPr lang="en-US">
                 <a:cs typeface="Arial"/>
               </a:rPr>
               <a:t>Validation Checks</a:t>
@@ -8614,7 +8615,7 @@
             <a:endParaRPr lang="en-US"/>
           </a:p>
           <a:p>
-            <a:endParaRPr lang="en-US" dirty="0">
+            <a:endParaRPr lang="en-US">
               <a:cs typeface="Arial"/>
             </a:endParaRPr>
           </a:p>
@@ -8642,7 +8643,7 @@
           <a:lstStyle/>
           <a:p>
             <a:r>
-              <a:rPr lang="en-US" dirty="0">
+              <a:rPr lang="en-US">
                 <a:cs typeface="Arial"/>
               </a:rPr>
               <a:t>We ensured validation for the following:</a:t>
@@ -8654,7 +8655,7 @@
               <a:buChar char="o"/>
             </a:pPr>
             <a:r>
-              <a:rPr lang="en-US" dirty="0">
+              <a:rPr lang="en-US">
                 <a:cs typeface="Arial"/>
               </a:rPr>
               <a:t>If the user is logged in.</a:t>
@@ -8666,7 +8667,7 @@
               <a:buChar char="o"/>
             </a:pPr>
             <a:r>
-              <a:rPr lang="en-US" dirty="0">
+              <a:rPr lang="en-US">
                 <a:cs typeface="Arial"/>
               </a:rPr>
               <a:t>Whether the logged in user is of type customer or admin. </a:t>
@@ -8678,22 +8679,10 @@
               <a:buChar char="o"/>
             </a:pPr>
             <a:r>
-              <a:rPr lang="en-US" dirty="0">
-                <a:cs typeface="Arial"/>
-              </a:rPr>
-              <a:t>If the user has a valid </a:t>
-            </a:r>
-            <a:r>
               <a:rPr lang="en-US">
                 <a:cs typeface="Arial"/>
               </a:rPr>
-              <a:t>account.</a:t>
-            </a:r>
-            <a:r>
-              <a:rPr lang="en-US" dirty="0">
-                <a:cs typeface="Arial"/>
-              </a:rPr>
-              <a:t> </a:t>
+              <a:t>If the user has a valid account. </a:t>
             </a:r>
           </a:p>
           <a:p>
@@ -8702,7 +8691,7 @@
               <a:buChar char="o"/>
             </a:pPr>
             <a:r>
-              <a:rPr lang="en-US" dirty="0">
+              <a:rPr lang="en-US">
                 <a:cs typeface="Arial"/>
               </a:rPr>
               <a:t>If there is sufficient amount of money to withdraw or transfer.</a:t>
@@ -8713,7 +8702,7 @@
               <a:buFont typeface="Courier New" panose="05000000000000000000" pitchFamily="2" charset="2"/>
               <a:buChar char="o"/>
             </a:pPr>
-            <a:endParaRPr lang="en-US" dirty="0">
+            <a:endParaRPr lang="en-US">
               <a:cs typeface="Arial"/>
             </a:endParaRPr>
           </a:p>
@@ -8751,7 +8740,7 @@
               <a:t>9</a:t>
             </a:fld>
             <a:r>
-              <a:rPr lang="en-US" altLang="zh-CN" dirty="0"/>
+              <a:rPr lang="en-US" altLang="zh-CN"/>
               <a:t>/16</a:t>
             </a:r>
           </a:p>
